--- a/DOC-20240117-WA0002..pptx
+++ b/DOC-20240117-WA0002..pptx
@@ -10426,20 +10426,20 @@
               <a:buNone/>
             </a:pPr>
             <a:r>
-              <a:rPr lang="en-US">
+              <a:rPr lang="en-US" dirty="0">
                 <a:latin typeface="Calibri"/>
                 <a:ea typeface="Tahoma"/>
                 <a:cs typeface="Tahoma"/>
               </a:rPr>
               <a:t>1. Provide a brief introduction to the essay/clear outline of what you intend to discuss. (50-100 words max).</a:t>
             </a:r>
-            <a:endParaRPr lang="en-US">
+            <a:endParaRPr lang="en-US" dirty="0">
               <a:latin typeface="Calibri"/>
             </a:endParaRPr>
           </a:p>
           <a:p>
             <a:pPr algn="just"/>
-            <a:endParaRPr lang="en-US">
+            <a:endParaRPr lang="en-US" dirty="0">
               <a:latin typeface="Calibri"/>
               <a:ea typeface="Tahoma"/>
               <a:cs typeface="Tahoma"/>
@@ -10450,7 +10450,7 @@
               <a:buNone/>
             </a:pPr>
             <a:r>
-              <a:rPr lang="en-US">
+              <a:rPr lang="en-US" dirty="0">
                 <a:latin typeface="Calibri"/>
                 <a:ea typeface="Tahoma"/>
                 <a:cs typeface="Tahoma"/>
@@ -10460,7 +10460,7 @@
           </a:p>
           <a:p>
             <a:pPr algn="just"/>
-            <a:endParaRPr lang="en-US">
+            <a:endParaRPr lang="en-US" dirty="0">
               <a:latin typeface="Calibri"/>
               <a:ea typeface="Tahoma"/>
               <a:cs typeface="Tahoma"/>
@@ -10471,7 +10471,7 @@
               <a:buNone/>
             </a:pPr>
             <a:r>
-              <a:rPr lang="en-US">
+              <a:rPr lang="en-US" dirty="0">
                 <a:latin typeface="Calibri"/>
                 <a:ea typeface="Tahoma"/>
                 <a:cs typeface="Tahoma"/>
@@ -10481,7 +10481,7 @@
           </a:p>
           <a:p>
             <a:pPr algn="just"/>
-            <a:endParaRPr lang="en-US">
+            <a:endParaRPr lang="en-US" dirty="0">
               <a:latin typeface="Calibri"/>
               <a:ea typeface="Tahoma"/>
               <a:cs typeface="Tahoma"/>
@@ -10492,7 +10492,7 @@
               <a:buNone/>
             </a:pPr>
             <a:r>
-              <a:rPr lang="en-US">
+              <a:rPr lang="en-US" dirty="0">
                 <a:latin typeface="Calibri"/>
                 <a:ea typeface="Tahoma"/>
                 <a:cs typeface="Tahoma"/>
@@ -10500,7 +10500,7 @@
               <a:t>4. Provide a clear overview of the methods/methodology used in the paper, what </a:t>
             </a:r>
             <a:r>
-              <a:rPr lang="en-US" u="sng">
+              <a:rPr lang="en-US" u="sng" dirty="0">
                 <a:latin typeface="Calibri"/>
                 <a:ea typeface="Tahoma"/>
                 <a:cs typeface="Tahoma"/>
@@ -10508,7 +10508,7 @@
               <a:t>you think</a:t>
             </a:r>
             <a:r>
-              <a:rPr lang="en-US">
+              <a:rPr lang="en-US" dirty="0">
                 <a:latin typeface="Calibri"/>
                 <a:ea typeface="Tahoma"/>
                 <a:cs typeface="Tahoma"/>
@@ -10520,7 +10520,7 @@
             <a:pPr marL="0" indent="0">
               <a:buNone/>
             </a:pPr>
-            <a:endParaRPr lang="en-US">
+            <a:endParaRPr lang="en-US" dirty="0">
               <a:latin typeface="Calibri"/>
               <a:ea typeface="Tahoma"/>
               <a:cs typeface="Tahoma"/>
@@ -10531,19 +10531,19 @@
               <a:buNone/>
             </a:pPr>
             <a:r>
-              <a:rPr lang="en-US">
+              <a:rPr lang="en-US" dirty="0">
                 <a:latin typeface="Calibri"/>
                 <a:ea typeface="Tahoma"/>
                 <a:cs typeface="Tahoma"/>
               </a:rPr>
               <a:t>5. Provide a short conclusion/summary, highlighting some of the main points of your essay, and coming to some conclusion about what contribution you think qualitative research methods can make to health/public health research. (50-100 words).</a:t>
             </a:r>
-            <a:endParaRPr lang="en-US">
+            <a:endParaRPr lang="en-US" dirty="0">
               <a:latin typeface="Calibri"/>
             </a:endParaRPr>
           </a:p>
           <a:p>
-            <a:endParaRPr lang="en-US">
+            <a:endParaRPr lang="en-US" dirty="0">
               <a:latin typeface="Calibri"/>
             </a:endParaRPr>
           </a:p>
